--- a/Module 6 One Sample z-test/K2021 Inferential tests and z test LN.pptx
+++ b/Module 6 One Sample z-test/K2021 Inferential tests and z test LN.pptx
@@ -5,10 +5,10 @@
     <p:sldMasterId id="2147483671" r:id="rId1"/>
   </p:sldMasterIdLst>
   <p:notesMasterIdLst>
-    <p:notesMasterId r:id="rId56"/>
+    <p:notesMasterId r:id="rId57"/>
   </p:notesMasterIdLst>
   <p:handoutMasterIdLst>
-    <p:handoutMasterId r:id="rId57"/>
+    <p:handoutMasterId r:id="rId58"/>
   </p:handoutMasterIdLst>
   <p:sldIdLst>
     <p:sldId id="526" r:id="rId2"/>
@@ -55,16 +55,17 @@
     <p:sldId id="495" r:id="rId43"/>
     <p:sldId id="496" r:id="rId44"/>
     <p:sldId id="555" r:id="rId45"/>
-    <p:sldId id="504" r:id="rId46"/>
-    <p:sldId id="547" r:id="rId47"/>
-    <p:sldId id="530" r:id="rId48"/>
-    <p:sldId id="531" r:id="rId49"/>
-    <p:sldId id="537" r:id="rId50"/>
-    <p:sldId id="532" r:id="rId51"/>
-    <p:sldId id="533" r:id="rId52"/>
-    <p:sldId id="534" r:id="rId53"/>
-    <p:sldId id="535" r:id="rId54"/>
-    <p:sldId id="536" r:id="rId55"/>
+    <p:sldId id="569" r:id="rId46"/>
+    <p:sldId id="504" r:id="rId47"/>
+    <p:sldId id="547" r:id="rId48"/>
+    <p:sldId id="530" r:id="rId49"/>
+    <p:sldId id="531" r:id="rId50"/>
+    <p:sldId id="537" r:id="rId51"/>
+    <p:sldId id="532" r:id="rId52"/>
+    <p:sldId id="533" r:id="rId53"/>
+    <p:sldId id="534" r:id="rId54"/>
+    <p:sldId id="535" r:id="rId55"/>
+    <p:sldId id="536" r:id="rId56"/>
   </p:sldIdLst>
   <p:sldSz cx="9144000" cy="6858000" type="screen4x3"/>
   <p:notesSz cx="7315200" cy="9601200"/>
@@ -212,16 +213,24 @@
 </p:presentation>
 </file>
 
-<file path=ppt/revisionInfo.xml><?xml version="1.0" encoding="utf-8"?>
-<p1510:revInfo xmlns:a="http://schemas.openxmlformats.org/drawingml/2006/main" xmlns:r="http://schemas.openxmlformats.org/officeDocument/2006/relationships" xmlns:p1510="http://schemas.microsoft.com/office/powerpoint/2015/10/main">
-  <p1510:revLst>
-    <p1510:client id="{A4F3289D-BEE6-45D9-9813-396A58D5B84F}" v="10" dt="2024-02-20T15:31:42.088"/>
-  </p1510:revLst>
-</p1510:revInfo>
-</file>
-
 <file path=ppt/changesInfos/changesInfo1.xml><?xml version="1.0" encoding="utf-8"?>
 <pc:chgInfo xmlns:a="http://schemas.openxmlformats.org/drawingml/2006/main" xmlns:r="http://schemas.openxmlformats.org/officeDocument/2006/relationships" xmlns:ac="http://schemas.microsoft.com/office/drawing/2013/main/command" xmlns:pc="http://schemas.microsoft.com/office/powerpoint/2013/main/command">
+  <pc:docChgLst>
+    <pc:chgData name="Pablo Esteban Gutiérrez-Fonseca (he/him)" userId="25bdc618-995f-415b-9b28-31563f05eb38" providerId="ADAL" clId="{B070F645-28D7-4E47-9A38-340FC474D703}"/>
+    <pc:docChg chg="addSld">
+      <pc:chgData name="Pablo Esteban Gutiérrez-Fonseca (he/him)" userId="25bdc618-995f-415b-9b28-31563f05eb38" providerId="ADAL" clId="{B070F645-28D7-4E47-9A38-340FC474D703}" dt="2024-09-27T17:32:12.393" v="0" actId="680"/>
+      <pc:docMkLst>
+        <pc:docMk/>
+      </pc:docMkLst>
+      <pc:sldChg chg="new">
+        <pc:chgData name="Pablo Esteban Gutiérrez-Fonseca (he/him)" userId="25bdc618-995f-415b-9b28-31563f05eb38" providerId="ADAL" clId="{B070F645-28D7-4E47-9A38-340FC474D703}" dt="2024-09-27T17:32:12.393" v="0" actId="680"/>
+        <pc:sldMkLst>
+          <pc:docMk/>
+          <pc:sldMk cId="1847381535" sldId="569"/>
+        </pc:sldMkLst>
+      </pc:sldChg>
+    </pc:docChg>
+  </pc:docChgLst>
   <pc:docChgLst>
     <pc:chgData name="Pablo Gutiérrez-Fonseca" userId="25bdc618-995f-415b-9b28-31563f05eb38" providerId="ADAL" clId="{A1B3420A-8347-470B-A8F1-3FBA316FA0DD}"/>
     <pc:docChg chg="custSel delSld modSld">
@@ -1362,7 +1371,7 @@
               <a:pPr>
                 <a:defRPr/>
               </a:pPr>
-              <a:t>2/20/2024</a:t>
+              <a:t>9/27/2024</a:t>
             </a:fld>
             <a:endParaRPr lang="en-US"/>
           </a:p>
@@ -1553,7 +1562,7 @@
               <a:pPr>
                 <a:defRPr/>
               </a:pPr>
-              <a:t>2/20/2024</a:t>
+              <a:t>9/27/2024</a:t>
             </a:fld>
             <a:endParaRPr lang="en-US"/>
           </a:p>
@@ -24287,6 +24296,36 @@
           <a:chExt cx="0" cy="0"/>
         </a:xfrm>
       </p:grpSpPr>
+    </p:spTree>
+    <p:extLst>
+      <p:ext uri="{BB962C8B-B14F-4D97-AF65-F5344CB8AC3E}">
+        <p14:creationId xmlns:p14="http://schemas.microsoft.com/office/powerpoint/2010/main" val="1847381535"/>
+      </p:ext>
+    </p:extLst>
+  </p:cSld>
+  <p:clrMapOvr>
+    <a:masterClrMapping/>
+  </p:clrMapOvr>
+</p:sld>
+</file>
+
+<file path=ppt/slides/slide46.xml><?xml version="1.0" encoding="utf-8"?>
+<p:sld xmlns:a="http://schemas.openxmlformats.org/drawingml/2006/main" xmlns:r="http://schemas.openxmlformats.org/officeDocument/2006/relationships" xmlns:p="http://schemas.openxmlformats.org/presentationml/2006/main">
+  <p:cSld>
+    <p:spTree>
+      <p:nvGrpSpPr>
+        <p:cNvPr id="1" name=""/>
+        <p:cNvGrpSpPr/>
+        <p:nvPr/>
+      </p:nvGrpSpPr>
+      <p:grpSpPr>
+        <a:xfrm>
+          <a:off x="0" y="0"/>
+          <a:ext cx="0" cy="0"/>
+          <a:chOff x="0" y="0"/>
+          <a:chExt cx="0" cy="0"/>
+        </a:xfrm>
+      </p:grpSpPr>
       <p:sp>
         <p:nvSpPr>
           <p:cNvPr id="44034" name="Rectangle 2"/>
@@ -24448,7 +24487,7 @@
 </p:sld>
 </file>
 
-<file path=ppt/slides/slide46.xml><?xml version="1.0" encoding="utf-8"?>
+<file path=ppt/slides/slide47.xml><?xml version="1.0" encoding="utf-8"?>
 <p:sld xmlns:a="http://schemas.openxmlformats.org/drawingml/2006/main" xmlns:r="http://schemas.openxmlformats.org/officeDocument/2006/relationships" xmlns:p="http://schemas.openxmlformats.org/presentationml/2006/main">
   <p:cSld>
     <p:spTree>
@@ -24531,7 +24570,7 @@
 </p:sld>
 </file>
 
-<file path=ppt/slides/slide47.xml><?xml version="1.0" encoding="utf-8"?>
+<file path=ppt/slides/slide48.xml><?xml version="1.0" encoding="utf-8"?>
 <p:sld xmlns:a="http://schemas.openxmlformats.org/drawingml/2006/main" xmlns:r="http://schemas.openxmlformats.org/officeDocument/2006/relationships" xmlns:p="http://schemas.openxmlformats.org/presentationml/2006/main">
   <p:cSld>
     <p:spTree>
@@ -24692,7 +24731,7 @@
 </p:sld>
 </file>
 
-<file path=ppt/slides/slide48.xml><?xml version="1.0" encoding="utf-8"?>
+<file path=ppt/slides/slide49.xml><?xml version="1.0" encoding="utf-8"?>
 <p:sld xmlns:a="http://schemas.openxmlformats.org/drawingml/2006/main" xmlns:r="http://schemas.openxmlformats.org/officeDocument/2006/relationships" xmlns:p="http://schemas.openxmlformats.org/presentationml/2006/main">
   <p:cSld>
     <p:spTree>
@@ -24819,319 +24858,6 @@
     <p:extLst>
       <p:ext uri="{BB962C8B-B14F-4D97-AF65-F5344CB8AC3E}">
         <p14:creationId xmlns:p14="http://schemas.microsoft.com/office/powerpoint/2010/main" val="2872682533"/>
-      </p:ext>
-    </p:extLst>
-  </p:cSld>
-  <p:clrMapOvr>
-    <a:masterClrMapping/>
-  </p:clrMapOvr>
-</p:sld>
-</file>
-
-<file path=ppt/slides/slide49.xml><?xml version="1.0" encoding="utf-8"?>
-<p:sld xmlns:a="http://schemas.openxmlformats.org/drawingml/2006/main" xmlns:r="http://schemas.openxmlformats.org/officeDocument/2006/relationships" xmlns:p="http://schemas.openxmlformats.org/presentationml/2006/main">
-  <p:cSld>
-    <p:spTree>
-      <p:nvGrpSpPr>
-        <p:cNvPr id="1" name=""/>
-        <p:cNvGrpSpPr/>
-        <p:nvPr/>
-      </p:nvGrpSpPr>
-      <p:grpSpPr>
-        <a:xfrm>
-          <a:off x="0" y="0"/>
-          <a:ext cx="0" cy="0"/>
-          <a:chOff x="0" y="0"/>
-          <a:chExt cx="0" cy="0"/>
-        </a:xfrm>
-      </p:grpSpPr>
-      <p:sp>
-        <p:nvSpPr>
-          <p:cNvPr id="2" name="Title 1"/>
-          <p:cNvSpPr>
-            <a:spLocks noGrp="1"/>
-          </p:cNvSpPr>
-          <p:nvPr>
-            <p:ph type="title"/>
-          </p:nvPr>
-        </p:nvSpPr>
-        <p:spPr/>
-        <p:txBody>
-          <a:bodyPr/>
-          <a:lstStyle/>
-          <a:p>
-            <a:r>
-              <a:rPr lang="en-US" dirty="0"/>
-              <a:t>Todays One-Sample z-group work</a:t>
-            </a:r>
-          </a:p>
-        </p:txBody>
-      </p:sp>
-      <p:sp>
-        <p:nvSpPr>
-          <p:cNvPr id="3" name="Content Placeholder 2"/>
-          <p:cNvSpPr>
-            <a:spLocks noGrp="1"/>
-          </p:cNvSpPr>
-          <p:nvPr>
-            <p:ph sz="half" idx="1"/>
-          </p:nvPr>
-        </p:nvSpPr>
-        <p:spPr>
-          <a:xfrm>
-            <a:off x="746808" y="1814583"/>
-            <a:ext cx="7787592" cy="2686051"/>
-          </a:xfrm>
-        </p:spPr>
-        <p:txBody>
-          <a:bodyPr/>
-          <a:lstStyle/>
-          <a:p>
-            <a:r>
-              <a:rPr lang="en-US" dirty="0"/>
-              <a:t> Use the </a:t>
-            </a:r>
-            <a:r>
-              <a:rPr lang="en-US" dirty="0">
-                <a:solidFill>
-                  <a:srgbClr val="FF0000"/>
-                </a:solidFill>
-              </a:rPr>
-              <a:t>Annual </a:t>
-            </a:r>
-            <a:r>
-              <a:rPr lang="en-US" dirty="0" err="1">
-                <a:solidFill>
-                  <a:srgbClr val="FF0000"/>
-                </a:solidFill>
-              </a:rPr>
-              <a:t>Anom</a:t>
-            </a:r>
-            <a:r>
-              <a:rPr lang="en-US" dirty="0">
-                <a:solidFill>
-                  <a:srgbClr val="FF0000"/>
-                </a:solidFill>
-              </a:rPr>
-              <a:t> J-D Column </a:t>
-            </a:r>
-            <a:r>
-              <a:rPr lang="en-US" dirty="0"/>
-              <a:t>(for the yearly average anomaly)</a:t>
-            </a:r>
-          </a:p>
-        </p:txBody>
-      </p:sp>
-      <p:sp>
-        <p:nvSpPr>
-          <p:cNvPr id="9" name="Rectangle 8"/>
-          <p:cNvSpPr/>
-          <p:nvPr/>
-        </p:nvSpPr>
-        <p:spPr>
-          <a:xfrm>
-            <a:off x="1799040" y="2855049"/>
-            <a:ext cx="6632266" cy="1631216"/>
-          </a:xfrm>
-          <a:prstGeom prst="rect">
-            <a:avLst/>
-          </a:prstGeom>
-        </p:spPr>
-        <p:txBody>
-          <a:bodyPr wrap="square">
-            <a:spAutoFit/>
-          </a:bodyPr>
-          <a:lstStyle/>
-          <a:p>
-            <a:endParaRPr lang="en-US" sz="2000" dirty="0">
-              <a:solidFill>
-                <a:srgbClr val="000000"/>
-              </a:solidFill>
-              <a:latin typeface="Arial" panose="020B0604020202020204" pitchFamily="34" charset="0"/>
-              <a:cs typeface="Arial" panose="020B0604020202020204" pitchFamily="34" charset="0"/>
-            </a:endParaRPr>
-          </a:p>
-          <a:p>
-            <a:r>
-              <a:rPr lang="en-US" sz="2000" dirty="0">
-                <a:solidFill>
-                  <a:srgbClr val="000000"/>
-                </a:solidFill>
-                <a:latin typeface="Arial" panose="020B0604020202020204" pitchFamily="34" charset="0"/>
-                <a:cs typeface="Arial" panose="020B0604020202020204" pitchFamily="34" charset="0"/>
-              </a:rPr>
-              <a:t> Test to see if there is a significant </a:t>
-            </a:r>
-            <a:r>
-              <a:rPr lang="en-US" sz="2000" b="1" dirty="0">
-                <a:solidFill>
-                  <a:srgbClr val="000000"/>
-                </a:solidFill>
-                <a:latin typeface="Arial" panose="020B0604020202020204" pitchFamily="34" charset="0"/>
-                <a:cs typeface="Arial" panose="020B0604020202020204" pitchFamily="34" charset="0"/>
-              </a:rPr>
-              <a:t>difference</a:t>
-            </a:r>
-            <a:r>
-              <a:rPr lang="en-US" sz="2000" dirty="0">
-                <a:solidFill>
-                  <a:srgbClr val="000000"/>
-                </a:solidFill>
-                <a:latin typeface="Arial" panose="020B0604020202020204" pitchFamily="34" charset="0"/>
-                <a:cs typeface="Arial" panose="020B0604020202020204" pitchFamily="34" charset="0"/>
-              </a:rPr>
-              <a:t> between </a:t>
-            </a:r>
-            <a:r>
-              <a:rPr lang="en-US" sz="2000" dirty="0">
-                <a:latin typeface="Arial" panose="020B0604020202020204" pitchFamily="34" charset="0"/>
-                <a:cs typeface="Arial" panose="020B0604020202020204" pitchFamily="34" charset="0"/>
-              </a:rPr>
-              <a:t>the historical data </a:t>
-            </a:r>
-            <a:r>
-              <a:rPr lang="en-US" sz="2000" b="1" dirty="0">
-                <a:latin typeface="Arial" panose="020B0604020202020204" pitchFamily="34" charset="0"/>
-                <a:cs typeface="Arial" panose="020B0604020202020204" pitchFamily="34" charset="0"/>
-              </a:rPr>
-              <a:t>sample mean </a:t>
-            </a:r>
-            <a:r>
-              <a:rPr lang="en-US" sz="2000" dirty="0">
-                <a:latin typeface="Arial" panose="020B0604020202020204" pitchFamily="34" charset="0"/>
-                <a:cs typeface="Arial" panose="020B0604020202020204" pitchFamily="34" charset="0"/>
-              </a:rPr>
-              <a:t>(</a:t>
-            </a:r>
-            <a:r>
-              <a:rPr lang="en-US" sz="2000" dirty="0">
-                <a:solidFill>
-                  <a:srgbClr val="FF0000"/>
-                </a:solidFill>
-                <a:latin typeface="Arial" panose="020B0604020202020204" pitchFamily="34" charset="0"/>
-                <a:cs typeface="Arial" panose="020B0604020202020204" pitchFamily="34" charset="0"/>
-              </a:rPr>
-              <a:t>historical era</a:t>
-            </a:r>
-            <a:r>
-              <a:rPr lang="en-US" sz="2000" dirty="0">
-                <a:latin typeface="Arial" panose="020B0604020202020204" pitchFamily="34" charset="0"/>
-                <a:cs typeface="Arial" panose="020B0604020202020204" pitchFamily="34" charset="0"/>
-              </a:rPr>
-              <a:t>) compared to the NASA defined baseline </a:t>
-            </a:r>
-            <a:r>
-              <a:rPr lang="en-US" sz="2000" b="1" dirty="0">
-                <a:latin typeface="Arial" panose="020B0604020202020204" pitchFamily="34" charset="0"/>
-                <a:cs typeface="Arial" panose="020B0604020202020204" pitchFamily="34" charset="0"/>
-              </a:rPr>
-              <a:t>population mean </a:t>
-            </a:r>
-            <a:r>
-              <a:rPr lang="en-US" sz="2000" dirty="0">
-                <a:latin typeface="Arial" panose="020B0604020202020204" pitchFamily="34" charset="0"/>
-                <a:cs typeface="Arial" panose="020B0604020202020204" pitchFamily="34" charset="0"/>
-              </a:rPr>
-              <a:t>of temperatures (</a:t>
-            </a:r>
-            <a:r>
-              <a:rPr lang="en-US" sz="2000" dirty="0">
-                <a:solidFill>
-                  <a:srgbClr val="FF0000"/>
-                </a:solidFill>
-                <a:latin typeface="Arial" panose="020B0604020202020204" pitchFamily="34" charset="0"/>
-                <a:cs typeface="Arial" panose="020B0604020202020204" pitchFamily="34" charset="0"/>
-              </a:rPr>
-              <a:t>baseline population</a:t>
-            </a:r>
-            <a:r>
-              <a:rPr lang="en-US" sz="2000" dirty="0">
-                <a:latin typeface="Arial" panose="020B0604020202020204" pitchFamily="34" charset="0"/>
-                <a:cs typeface="Arial" panose="020B0604020202020204" pitchFamily="34" charset="0"/>
-              </a:rPr>
-              <a:t>) </a:t>
-            </a:r>
-          </a:p>
-        </p:txBody>
-      </p:sp>
-      <p:sp>
-        <p:nvSpPr>
-          <p:cNvPr id="6" name="Rectangle 5"/>
-          <p:cNvSpPr/>
-          <p:nvPr/>
-        </p:nvSpPr>
-        <p:spPr>
-          <a:xfrm>
-            <a:off x="1799040" y="4724400"/>
-            <a:ext cx="6430560" cy="1015663"/>
-          </a:xfrm>
-          <a:prstGeom prst="rect">
-            <a:avLst/>
-          </a:prstGeom>
-        </p:spPr>
-        <p:txBody>
-          <a:bodyPr wrap="square">
-            <a:spAutoFit/>
-          </a:bodyPr>
-          <a:lstStyle/>
-          <a:p>
-            <a:r>
-              <a:rPr lang="en-US" sz="2000" dirty="0">
-                <a:solidFill>
-                  <a:srgbClr val="000000"/>
-                </a:solidFill>
-                <a:latin typeface="Arial" panose="020B0604020202020204" pitchFamily="34" charset="0"/>
-                <a:cs typeface="Arial" panose="020B0604020202020204" pitchFamily="34" charset="0"/>
-              </a:rPr>
-              <a:t>Repeat this whole process but this time comparing the few years we have in the “</a:t>
-            </a:r>
-            <a:r>
-              <a:rPr lang="en-US" sz="2000" dirty="0">
-                <a:solidFill>
-                  <a:srgbClr val="FF0000"/>
-                </a:solidFill>
-                <a:latin typeface="Arial" panose="020B0604020202020204" pitchFamily="34" charset="0"/>
-                <a:cs typeface="Arial" panose="020B0604020202020204" pitchFamily="34" charset="0"/>
-              </a:rPr>
-              <a:t>Anthropocene</a:t>
-            </a:r>
-            <a:r>
-              <a:rPr lang="en-US" sz="2000" dirty="0">
-                <a:solidFill>
-                  <a:srgbClr val="000000"/>
-                </a:solidFill>
-                <a:latin typeface="Arial" panose="020B0604020202020204" pitchFamily="34" charset="0"/>
-                <a:cs typeface="Arial" panose="020B0604020202020204" pitchFamily="34" charset="0"/>
-              </a:rPr>
-              <a:t>” era to the </a:t>
-            </a:r>
-            <a:r>
-              <a:rPr lang="en-US" sz="2000" dirty="0">
-                <a:solidFill>
-                  <a:srgbClr val="FF0000"/>
-                </a:solidFill>
-                <a:latin typeface="Arial" panose="020B0604020202020204" pitchFamily="34" charset="0"/>
-                <a:cs typeface="Arial" panose="020B0604020202020204" pitchFamily="34" charset="0"/>
-              </a:rPr>
-              <a:t>baseline population </a:t>
-            </a:r>
-            <a:r>
-              <a:rPr lang="en-US" sz="2000" dirty="0">
-                <a:solidFill>
-                  <a:srgbClr val="000000"/>
-                </a:solidFill>
-                <a:latin typeface="Arial" panose="020B0604020202020204" pitchFamily="34" charset="0"/>
-                <a:cs typeface="Arial" panose="020B0604020202020204" pitchFamily="34" charset="0"/>
-              </a:rPr>
-              <a:t>mean. </a:t>
-            </a:r>
-          </a:p>
-        </p:txBody>
-      </p:sp>
-    </p:spTree>
-    <p:extLst>
-      <p:ext uri="{BB962C8B-B14F-4D97-AF65-F5344CB8AC3E}">
-        <p14:creationId xmlns:p14="http://schemas.microsoft.com/office/powerpoint/2010/main" val="91404562"/>
       </p:ext>
     </p:extLst>
   </p:cSld>
@@ -25304,6 +25030,319 @@
           <a:p>
             <a:r>
               <a:rPr lang="en-US" dirty="0"/>
+              <a:t>Todays One-Sample z-group work</a:t>
+            </a:r>
+          </a:p>
+        </p:txBody>
+      </p:sp>
+      <p:sp>
+        <p:nvSpPr>
+          <p:cNvPr id="3" name="Content Placeholder 2"/>
+          <p:cNvSpPr>
+            <a:spLocks noGrp="1"/>
+          </p:cNvSpPr>
+          <p:nvPr>
+            <p:ph sz="half" idx="1"/>
+          </p:nvPr>
+        </p:nvSpPr>
+        <p:spPr>
+          <a:xfrm>
+            <a:off x="746808" y="1814583"/>
+            <a:ext cx="7787592" cy="2686051"/>
+          </a:xfrm>
+        </p:spPr>
+        <p:txBody>
+          <a:bodyPr/>
+          <a:lstStyle/>
+          <a:p>
+            <a:r>
+              <a:rPr lang="en-US" dirty="0"/>
+              <a:t> Use the </a:t>
+            </a:r>
+            <a:r>
+              <a:rPr lang="en-US" dirty="0">
+                <a:solidFill>
+                  <a:srgbClr val="FF0000"/>
+                </a:solidFill>
+              </a:rPr>
+              <a:t>Annual </a:t>
+            </a:r>
+            <a:r>
+              <a:rPr lang="en-US" dirty="0" err="1">
+                <a:solidFill>
+                  <a:srgbClr val="FF0000"/>
+                </a:solidFill>
+              </a:rPr>
+              <a:t>Anom</a:t>
+            </a:r>
+            <a:r>
+              <a:rPr lang="en-US" dirty="0">
+                <a:solidFill>
+                  <a:srgbClr val="FF0000"/>
+                </a:solidFill>
+              </a:rPr>
+              <a:t> J-D Column </a:t>
+            </a:r>
+            <a:r>
+              <a:rPr lang="en-US" dirty="0"/>
+              <a:t>(for the yearly average anomaly)</a:t>
+            </a:r>
+          </a:p>
+        </p:txBody>
+      </p:sp>
+      <p:sp>
+        <p:nvSpPr>
+          <p:cNvPr id="9" name="Rectangle 8"/>
+          <p:cNvSpPr/>
+          <p:nvPr/>
+        </p:nvSpPr>
+        <p:spPr>
+          <a:xfrm>
+            <a:off x="1799040" y="2855049"/>
+            <a:ext cx="6632266" cy="1631216"/>
+          </a:xfrm>
+          <a:prstGeom prst="rect">
+            <a:avLst/>
+          </a:prstGeom>
+        </p:spPr>
+        <p:txBody>
+          <a:bodyPr wrap="square">
+            <a:spAutoFit/>
+          </a:bodyPr>
+          <a:lstStyle/>
+          <a:p>
+            <a:endParaRPr lang="en-US" sz="2000" dirty="0">
+              <a:solidFill>
+                <a:srgbClr val="000000"/>
+              </a:solidFill>
+              <a:latin typeface="Arial" panose="020B0604020202020204" pitchFamily="34" charset="0"/>
+              <a:cs typeface="Arial" panose="020B0604020202020204" pitchFamily="34" charset="0"/>
+            </a:endParaRPr>
+          </a:p>
+          <a:p>
+            <a:r>
+              <a:rPr lang="en-US" sz="2000" dirty="0">
+                <a:solidFill>
+                  <a:srgbClr val="000000"/>
+                </a:solidFill>
+                <a:latin typeface="Arial" panose="020B0604020202020204" pitchFamily="34" charset="0"/>
+                <a:cs typeface="Arial" panose="020B0604020202020204" pitchFamily="34" charset="0"/>
+              </a:rPr>
+              <a:t> Test to see if there is a significant </a:t>
+            </a:r>
+            <a:r>
+              <a:rPr lang="en-US" sz="2000" b="1" dirty="0">
+                <a:solidFill>
+                  <a:srgbClr val="000000"/>
+                </a:solidFill>
+                <a:latin typeface="Arial" panose="020B0604020202020204" pitchFamily="34" charset="0"/>
+                <a:cs typeface="Arial" panose="020B0604020202020204" pitchFamily="34" charset="0"/>
+              </a:rPr>
+              <a:t>difference</a:t>
+            </a:r>
+            <a:r>
+              <a:rPr lang="en-US" sz="2000" dirty="0">
+                <a:solidFill>
+                  <a:srgbClr val="000000"/>
+                </a:solidFill>
+                <a:latin typeface="Arial" panose="020B0604020202020204" pitchFamily="34" charset="0"/>
+                <a:cs typeface="Arial" panose="020B0604020202020204" pitchFamily="34" charset="0"/>
+              </a:rPr>
+              <a:t> between </a:t>
+            </a:r>
+            <a:r>
+              <a:rPr lang="en-US" sz="2000" dirty="0">
+                <a:latin typeface="Arial" panose="020B0604020202020204" pitchFamily="34" charset="0"/>
+                <a:cs typeface="Arial" panose="020B0604020202020204" pitchFamily="34" charset="0"/>
+              </a:rPr>
+              <a:t>the historical data </a:t>
+            </a:r>
+            <a:r>
+              <a:rPr lang="en-US" sz="2000" b="1" dirty="0">
+                <a:latin typeface="Arial" panose="020B0604020202020204" pitchFamily="34" charset="0"/>
+                <a:cs typeface="Arial" panose="020B0604020202020204" pitchFamily="34" charset="0"/>
+              </a:rPr>
+              <a:t>sample mean </a:t>
+            </a:r>
+            <a:r>
+              <a:rPr lang="en-US" sz="2000" dirty="0">
+                <a:latin typeface="Arial" panose="020B0604020202020204" pitchFamily="34" charset="0"/>
+                <a:cs typeface="Arial" panose="020B0604020202020204" pitchFamily="34" charset="0"/>
+              </a:rPr>
+              <a:t>(</a:t>
+            </a:r>
+            <a:r>
+              <a:rPr lang="en-US" sz="2000" dirty="0">
+                <a:solidFill>
+                  <a:srgbClr val="FF0000"/>
+                </a:solidFill>
+                <a:latin typeface="Arial" panose="020B0604020202020204" pitchFamily="34" charset="0"/>
+                <a:cs typeface="Arial" panose="020B0604020202020204" pitchFamily="34" charset="0"/>
+              </a:rPr>
+              <a:t>historical era</a:t>
+            </a:r>
+            <a:r>
+              <a:rPr lang="en-US" sz="2000" dirty="0">
+                <a:latin typeface="Arial" panose="020B0604020202020204" pitchFamily="34" charset="0"/>
+                <a:cs typeface="Arial" panose="020B0604020202020204" pitchFamily="34" charset="0"/>
+              </a:rPr>
+              <a:t>) compared to the NASA defined baseline </a:t>
+            </a:r>
+            <a:r>
+              <a:rPr lang="en-US" sz="2000" b="1" dirty="0">
+                <a:latin typeface="Arial" panose="020B0604020202020204" pitchFamily="34" charset="0"/>
+                <a:cs typeface="Arial" panose="020B0604020202020204" pitchFamily="34" charset="0"/>
+              </a:rPr>
+              <a:t>population mean </a:t>
+            </a:r>
+            <a:r>
+              <a:rPr lang="en-US" sz="2000" dirty="0">
+                <a:latin typeface="Arial" panose="020B0604020202020204" pitchFamily="34" charset="0"/>
+                <a:cs typeface="Arial" panose="020B0604020202020204" pitchFamily="34" charset="0"/>
+              </a:rPr>
+              <a:t>of temperatures (</a:t>
+            </a:r>
+            <a:r>
+              <a:rPr lang="en-US" sz="2000" dirty="0">
+                <a:solidFill>
+                  <a:srgbClr val="FF0000"/>
+                </a:solidFill>
+                <a:latin typeface="Arial" panose="020B0604020202020204" pitchFamily="34" charset="0"/>
+                <a:cs typeface="Arial" panose="020B0604020202020204" pitchFamily="34" charset="0"/>
+              </a:rPr>
+              <a:t>baseline population</a:t>
+            </a:r>
+            <a:r>
+              <a:rPr lang="en-US" sz="2000" dirty="0">
+                <a:latin typeface="Arial" panose="020B0604020202020204" pitchFamily="34" charset="0"/>
+                <a:cs typeface="Arial" panose="020B0604020202020204" pitchFamily="34" charset="0"/>
+              </a:rPr>
+              <a:t>) </a:t>
+            </a:r>
+          </a:p>
+        </p:txBody>
+      </p:sp>
+      <p:sp>
+        <p:nvSpPr>
+          <p:cNvPr id="6" name="Rectangle 5"/>
+          <p:cNvSpPr/>
+          <p:nvPr/>
+        </p:nvSpPr>
+        <p:spPr>
+          <a:xfrm>
+            <a:off x="1799040" y="4724400"/>
+            <a:ext cx="6430560" cy="1015663"/>
+          </a:xfrm>
+          <a:prstGeom prst="rect">
+            <a:avLst/>
+          </a:prstGeom>
+        </p:spPr>
+        <p:txBody>
+          <a:bodyPr wrap="square">
+            <a:spAutoFit/>
+          </a:bodyPr>
+          <a:lstStyle/>
+          <a:p>
+            <a:r>
+              <a:rPr lang="en-US" sz="2000" dirty="0">
+                <a:solidFill>
+                  <a:srgbClr val="000000"/>
+                </a:solidFill>
+                <a:latin typeface="Arial" panose="020B0604020202020204" pitchFamily="34" charset="0"/>
+                <a:cs typeface="Arial" panose="020B0604020202020204" pitchFamily="34" charset="0"/>
+              </a:rPr>
+              <a:t>Repeat this whole process but this time comparing the few years we have in the “</a:t>
+            </a:r>
+            <a:r>
+              <a:rPr lang="en-US" sz="2000" dirty="0">
+                <a:solidFill>
+                  <a:srgbClr val="FF0000"/>
+                </a:solidFill>
+                <a:latin typeface="Arial" panose="020B0604020202020204" pitchFamily="34" charset="0"/>
+                <a:cs typeface="Arial" panose="020B0604020202020204" pitchFamily="34" charset="0"/>
+              </a:rPr>
+              <a:t>Anthropocene</a:t>
+            </a:r>
+            <a:r>
+              <a:rPr lang="en-US" sz="2000" dirty="0">
+                <a:solidFill>
+                  <a:srgbClr val="000000"/>
+                </a:solidFill>
+                <a:latin typeface="Arial" panose="020B0604020202020204" pitchFamily="34" charset="0"/>
+                <a:cs typeface="Arial" panose="020B0604020202020204" pitchFamily="34" charset="0"/>
+              </a:rPr>
+              <a:t>” era to the </a:t>
+            </a:r>
+            <a:r>
+              <a:rPr lang="en-US" sz="2000" dirty="0">
+                <a:solidFill>
+                  <a:srgbClr val="FF0000"/>
+                </a:solidFill>
+                <a:latin typeface="Arial" panose="020B0604020202020204" pitchFamily="34" charset="0"/>
+                <a:cs typeface="Arial" panose="020B0604020202020204" pitchFamily="34" charset="0"/>
+              </a:rPr>
+              <a:t>baseline population </a:t>
+            </a:r>
+            <a:r>
+              <a:rPr lang="en-US" sz="2000" dirty="0">
+                <a:solidFill>
+                  <a:srgbClr val="000000"/>
+                </a:solidFill>
+                <a:latin typeface="Arial" panose="020B0604020202020204" pitchFamily="34" charset="0"/>
+                <a:cs typeface="Arial" panose="020B0604020202020204" pitchFamily="34" charset="0"/>
+              </a:rPr>
+              <a:t>mean. </a:t>
+            </a:r>
+          </a:p>
+        </p:txBody>
+      </p:sp>
+    </p:spTree>
+    <p:extLst>
+      <p:ext uri="{BB962C8B-B14F-4D97-AF65-F5344CB8AC3E}">
+        <p14:creationId xmlns:p14="http://schemas.microsoft.com/office/powerpoint/2010/main" val="91404562"/>
+      </p:ext>
+    </p:extLst>
+  </p:cSld>
+  <p:clrMapOvr>
+    <a:masterClrMapping/>
+  </p:clrMapOvr>
+</p:sld>
+</file>
+
+<file path=ppt/slides/slide51.xml><?xml version="1.0" encoding="utf-8"?>
+<p:sld xmlns:a="http://schemas.openxmlformats.org/drawingml/2006/main" xmlns:r="http://schemas.openxmlformats.org/officeDocument/2006/relationships" xmlns:p="http://schemas.openxmlformats.org/presentationml/2006/main">
+  <p:cSld>
+    <p:spTree>
+      <p:nvGrpSpPr>
+        <p:cNvPr id="1" name=""/>
+        <p:cNvGrpSpPr/>
+        <p:nvPr/>
+      </p:nvGrpSpPr>
+      <p:grpSpPr>
+        <a:xfrm>
+          <a:off x="0" y="0"/>
+          <a:ext cx="0" cy="0"/>
+          <a:chOff x="0" y="0"/>
+          <a:chExt cx="0" cy="0"/>
+        </a:xfrm>
+      </p:grpSpPr>
+      <p:sp>
+        <p:nvSpPr>
+          <p:cNvPr id="2" name="Title 1"/>
+          <p:cNvSpPr>
+            <a:spLocks noGrp="1"/>
+          </p:cNvSpPr>
+          <p:nvPr>
+            <p:ph type="title"/>
+          </p:nvPr>
+        </p:nvSpPr>
+        <p:spPr/>
+        <p:txBody>
+          <a:bodyPr/>
+          <a:lstStyle/>
+          <a:p>
+            <a:r>
+              <a:rPr lang="en-US" dirty="0"/>
               <a:t> One-Sample z-test Group Work</a:t>
             </a:r>
           </a:p>
@@ -25416,7 +25455,7 @@
 </p:sld>
 </file>
 
-<file path=ppt/slides/slide51.xml><?xml version="1.0" encoding="utf-8"?>
+<file path=ppt/slides/slide52.xml><?xml version="1.0" encoding="utf-8"?>
 <p:sld xmlns:a="http://schemas.openxmlformats.org/drawingml/2006/main" xmlns:r="http://schemas.openxmlformats.org/officeDocument/2006/relationships" xmlns:p="http://schemas.openxmlformats.org/presentationml/2006/main">
   <p:cSld>
     <p:spTree>
@@ -25762,7 +25801,7 @@
 </p:sld>
 </file>
 
-<file path=ppt/slides/slide52.xml><?xml version="1.0" encoding="utf-8"?>
+<file path=ppt/slides/slide53.xml><?xml version="1.0" encoding="utf-8"?>
 <p:sld xmlns:a="http://schemas.openxmlformats.org/drawingml/2006/main" xmlns:r="http://schemas.openxmlformats.org/officeDocument/2006/relationships" xmlns:p="http://schemas.openxmlformats.org/presentationml/2006/main">
   <p:cSld>
     <p:spTree>
@@ -26149,7 +26188,7 @@
 </p:sld>
 </file>
 
-<file path=ppt/slides/slide53.xml><?xml version="1.0" encoding="utf-8"?>
+<file path=ppt/slides/slide54.xml><?xml version="1.0" encoding="utf-8"?>
 <p:sld xmlns:a="http://schemas.openxmlformats.org/drawingml/2006/main" xmlns:r="http://schemas.openxmlformats.org/officeDocument/2006/relationships" xmlns:p="http://schemas.openxmlformats.org/presentationml/2006/main">
   <p:cSld>
     <p:spTree>
@@ -26374,7 +26413,7 @@
 </p:sld>
 </file>
 
-<file path=ppt/slides/slide54.xml><?xml version="1.0" encoding="utf-8"?>
+<file path=ppt/slides/slide55.xml><?xml version="1.0" encoding="utf-8"?>
 <p:sld xmlns:a="http://schemas.openxmlformats.org/drawingml/2006/main" xmlns:r="http://schemas.openxmlformats.org/officeDocument/2006/relationships" xmlns:p="http://schemas.openxmlformats.org/presentationml/2006/main">
   <p:cSld>
     <p:spTree>
